--- a/math90/Math90Lecture_6_2_FactoringTrinomialsPart1.pptx
+++ b/math90/Math90Lecture_6_2_FactoringTrinomialsPart1.pptx
@@ -7,7 +7,7 @@
     <p:sldMasterId id="2147483720" r:id="rId3"/>
   </p:sldMasterIdLst>
   <p:notesMasterIdLst>
-    <p:notesMasterId r:id="rId16"/>
+    <p:notesMasterId r:id="rId14"/>
   </p:notesMasterIdLst>
   <p:sldIdLst>
     <p:sldId id="274" r:id="rId4"/>
@@ -20,8 +20,6 @@
     <p:sldId id="283" r:id="rId11"/>
     <p:sldId id="284" r:id="rId12"/>
     <p:sldId id="285" r:id="rId13"/>
-    <p:sldId id="276" r:id="rId14"/>
-    <p:sldId id="277" r:id="rId15"/>
   </p:sldIdLst>
   <p:sldSz cx="9144000" cy="6858000" type="screen4x3"/>
   <p:notesSz cx="6858000" cy="9144000"/>
@@ -122,7 +120,7 @@
   </p:defaultTextStyle>
   <p:extLst>
     <p:ext uri="{EFAFB233-063F-42B5-8137-9DF3F51BA10A}">
-      <p15:sldGuideLst xmlns:p15="http://schemas.microsoft.com/office/powerpoint/2012/main" xmlns="">
+      <p15:sldGuideLst xmlns:p15="http://schemas.microsoft.com/office/powerpoint/2012/main">
         <p15:guide id="1" orient="horz" pos="2160">
           <p15:clr>
             <a:srgbClr val="A4A3A4"/>
@@ -139,8 +137,32 @@
 </p:presentation>
 </file>
 
-<file path=ppt/revisionInfo.xml><?xml version="1.0" encoding="utf-8"?>
-<p1510:revInfo xmlns:a="http://schemas.openxmlformats.org/drawingml/2006/main" xmlns:r="http://schemas.openxmlformats.org/officeDocument/2006/relationships" xmlns:p1510="http://schemas.microsoft.com/office/powerpoint/2015/10/main"/>
+<file path=ppt/changesInfos/changesInfo1.xml><?xml version="1.0" encoding="utf-8"?>
+<pc:chgInfo xmlns:a="http://schemas.openxmlformats.org/drawingml/2006/main" xmlns:r="http://schemas.openxmlformats.org/officeDocument/2006/relationships" xmlns:ac="http://schemas.microsoft.com/office/drawing/2013/main/command" xmlns:pc="http://schemas.microsoft.com/office/powerpoint/2013/main/command">
+  <pc:docChgLst>
+    <pc:chgData name="Skorczewski, Tyler" userId="51e037cb-caff-4c31-880d-f686087de38b" providerId="ADAL" clId="{72B02EEC-ECB7-467E-996E-4D13069681B0}"/>
+    <pc:docChg chg="delSld">
+      <pc:chgData name="Skorczewski, Tyler" userId="51e037cb-caff-4c31-880d-f686087de38b" providerId="ADAL" clId="{72B02EEC-ECB7-467E-996E-4D13069681B0}" dt="2018-06-07T22:42:24.814" v="1" actId="2696"/>
+      <pc:docMkLst>
+        <pc:docMk/>
+      </pc:docMkLst>
+      <pc:sldChg chg="del">
+        <pc:chgData name="Skorczewski, Tyler" userId="51e037cb-caff-4c31-880d-f686087de38b" providerId="ADAL" clId="{72B02EEC-ECB7-467E-996E-4D13069681B0}" dt="2018-06-07T22:42:23.668" v="0" actId="2696"/>
+        <pc:sldMkLst>
+          <pc:docMk/>
+          <pc:sldMk cId="2411685965" sldId="276"/>
+        </pc:sldMkLst>
+      </pc:sldChg>
+      <pc:sldChg chg="del">
+        <pc:chgData name="Skorczewski, Tyler" userId="51e037cb-caff-4c31-880d-f686087de38b" providerId="ADAL" clId="{72B02EEC-ECB7-467E-996E-4D13069681B0}" dt="2018-06-07T22:42:24.814" v="1" actId="2696"/>
+        <pc:sldMkLst>
+          <pc:docMk/>
+          <pc:sldMk cId="2313341475" sldId="277"/>
+        </pc:sldMkLst>
+      </pc:sldChg>
+    </pc:docChg>
+  </pc:docChgLst>
+</pc:chgInfo>
 </file>
 
 <file path=ppt/notesMasters/notesMaster1.xml><?xml version="1.0" encoding="utf-8"?>
@@ -225,7 +247,7 @@
           <a:p>
             <a:fld id="{83701695-5BE7-4CB0-B0F1-9D1CB3A21EC6}" type="datetimeFigureOut">
               <a:rPr lang="en-US" smtClean="0"/>
-              <a:t>11/3/2017</a:t>
+              <a:t>6/7/2018</a:t>
             </a:fld>
             <a:endParaRPr lang="en-US"/>
           </a:p>
@@ -11955,1396 +11977,6 @@
 </p:sld>
 </file>
 
-<file path=ppt/slides/slide11.xml><?xml version="1.0" encoding="utf-8"?>
-<p:sld xmlns:a="http://schemas.openxmlformats.org/drawingml/2006/main" xmlns:r="http://schemas.openxmlformats.org/officeDocument/2006/relationships" xmlns:p="http://schemas.openxmlformats.org/presentationml/2006/main">
-  <p:cSld>
-    <p:spTree>
-      <p:nvGrpSpPr>
-        <p:cNvPr id="1" name=""/>
-        <p:cNvGrpSpPr/>
-        <p:nvPr/>
-      </p:nvGrpSpPr>
-      <p:grpSpPr>
-        <a:xfrm>
-          <a:off x="0" y="0"/>
-          <a:ext cx="0" cy="0"/>
-          <a:chOff x="0" y="0"/>
-          <a:chExt cx="0" cy="0"/>
-        </a:xfrm>
-      </p:grpSpPr>
-      <p:sp>
-        <p:nvSpPr>
-          <p:cNvPr id="45058" name="Rectangle 2"/>
-          <p:cNvSpPr>
-            <a:spLocks noGrp="1" noChangeArrowheads="1"/>
-          </p:cNvSpPr>
-          <p:nvPr>
-            <p:ph type="body" idx="1"/>
-          </p:nvPr>
-        </p:nvSpPr>
-        <p:spPr>
-          <a:xfrm>
-            <a:off x="0" y="-76200"/>
-            <a:ext cx="9144000" cy="1676400"/>
-          </a:xfrm>
-          <a:solidFill>
-            <a:srgbClr val="FFFF00"/>
-          </a:solidFill>
-        </p:spPr>
-        <p:txBody>
-          <a:bodyPr/>
-          <a:lstStyle/>
-          <a:p>
-            <a:pPr algn="ctr" eaLnBrk="1" hangingPunct="1">
-              <a:buNone/>
-            </a:pPr>
-            <a:r>
-              <a:rPr lang="en-US" sz="3600" b="1" u="sng" dirty="0">
-                <a:solidFill>
-                  <a:srgbClr val="FF0000"/>
-                </a:solidFill>
-              </a:rPr>
-              <a:t>REMINDER:</a:t>
-            </a:r>
-          </a:p>
-          <a:p>
-            <a:pPr algn="ctr" eaLnBrk="1" hangingPunct="1">
-              <a:buNone/>
-            </a:pPr>
-            <a:r>
-              <a:rPr lang="en-US" dirty="0">
-                <a:solidFill>
-                  <a:srgbClr val="6600CC"/>
-                </a:solidFill>
-              </a:rPr>
-              <a:t>The assignment on today’s material </a:t>
-            </a:r>
-            <a:r>
-              <a:rPr lang="en-US" b="1" dirty="0"/>
-              <a:t>(HW 6.2) </a:t>
-            </a:r>
-            <a:r>
-              <a:rPr lang="en-US" dirty="0">
-                <a:solidFill>
-                  <a:srgbClr val="6600CC"/>
-                </a:solidFill>
-              </a:rPr>
-              <a:t>is due at the start of the next class session.</a:t>
-            </a:r>
-          </a:p>
-          <a:p>
-            <a:pPr algn="ctr" eaLnBrk="1" hangingPunct="1">
-              <a:buFontTx/>
-              <a:buNone/>
-            </a:pPr>
-            <a:endParaRPr lang="en-US" sz="1400" b="1" dirty="0"/>
-          </a:p>
-          <a:p>
-            <a:pPr eaLnBrk="1" hangingPunct="1">
-              <a:buFontTx/>
-              <a:buNone/>
-            </a:pPr>
-            <a:endParaRPr lang="en-US" b="1" dirty="0"/>
-          </a:p>
-          <a:p>
-            <a:pPr eaLnBrk="1" hangingPunct="1">
-              <a:buFontTx/>
-              <a:buNone/>
-            </a:pPr>
-            <a:endParaRPr lang="en-US" sz="5400" dirty="0"/>
-          </a:p>
-          <a:p>
-            <a:pPr eaLnBrk="1" hangingPunct="1">
-              <a:buFontTx/>
-              <a:buNone/>
-            </a:pPr>
-            <a:endParaRPr lang="en-US" sz="5400" dirty="0"/>
-          </a:p>
-        </p:txBody>
-      </p:sp>
-      <p:sp>
-        <p:nvSpPr>
-          <p:cNvPr id="3" name="Rectangle 2"/>
-          <p:cNvSpPr txBox="1">
-            <a:spLocks noChangeArrowheads="1"/>
-          </p:cNvSpPr>
-          <p:nvPr/>
-        </p:nvSpPr>
-        <p:spPr bwMode="auto">
-          <a:xfrm>
-            <a:off x="0" y="2743200"/>
-            <a:ext cx="8991600" cy="4648200"/>
-          </a:xfrm>
-          <a:prstGeom prst="rect">
-            <a:avLst/>
-          </a:prstGeom>
-          <a:noFill/>
-          <a:ln>
-            <a:noFill/>
-          </a:ln>
-          <a:extLst>
-            <a:ext uri="{909E8E84-426E-40DD-AFC4-6F175D3DCCD1}">
-              <a14:hiddenFill xmlns:a14="http://schemas.microsoft.com/office/drawing/2010/main">
-                <a:solidFill>
-                  <a:srgbClr val="FFFFFF"/>
-                </a:solidFill>
-              </a14:hiddenFill>
-            </a:ext>
-            <a:ext uri="{91240B29-F687-4F45-9708-019B960494DF}">
-              <a14:hiddenLine xmlns:a14="http://schemas.microsoft.com/office/drawing/2010/main" w="9525">
-                <a:solidFill>
-                  <a:srgbClr val="000000"/>
-                </a:solidFill>
-                <a:miter lim="800000"/>
-                <a:headEnd/>
-                <a:tailEnd/>
-              </a14:hiddenLine>
-            </a:ext>
-          </a:extLst>
-        </p:spPr>
-        <p:txBody>
-          <a:bodyPr vert="horz" wrap="square" lIns="91440" tIns="45720" rIns="91440" bIns="45720" numCol="1" anchor="t" anchorCtr="0" compatLnSpc="1">
-            <a:prstTxWarp prst="textNoShape">
-              <a:avLst/>
-            </a:prstTxWarp>
-          </a:bodyPr>
-          <a:lstStyle>
-            <a:lvl1pPr marL="342900" indent="-342900" algn="l" rtl="0" eaLnBrk="0" fontAlgn="base" hangingPunct="0">
-              <a:spcBef>
-                <a:spcPct val="20000"/>
-              </a:spcBef>
-              <a:spcAft>
-                <a:spcPct val="0"/>
-              </a:spcAft>
-              <a:buSzPct val="85000"/>
-              <a:buBlip>
-                <a:blip r:embed="rId2"/>
-              </a:buBlip>
-              <a:defRPr sz="3200">
-                <a:solidFill>
-                  <a:schemeClr val="tx1"/>
-                </a:solidFill>
-                <a:latin typeface="+mn-lt"/>
-                <a:ea typeface="+mn-ea"/>
-                <a:cs typeface="+mn-cs"/>
-              </a:defRPr>
-            </a:lvl1pPr>
-            <a:lvl2pPr marL="742950" indent="-285750" algn="l" rtl="0" eaLnBrk="0" fontAlgn="base" hangingPunct="0">
-              <a:spcBef>
-                <a:spcPct val="20000"/>
-              </a:spcBef>
-              <a:spcAft>
-                <a:spcPct val="0"/>
-              </a:spcAft>
-              <a:buClr>
-                <a:schemeClr val="tx2"/>
-              </a:buClr>
-              <a:buSzPct val="70000"/>
-              <a:buFont typeface="Wingdings" pitchFamily="2" charset="2"/>
-              <a:buChar char="l"/>
-              <a:defRPr sz="2800">
-                <a:solidFill>
-                  <a:schemeClr val="tx1"/>
-                </a:solidFill>
-                <a:latin typeface="+mn-lt"/>
-              </a:defRPr>
-            </a:lvl2pPr>
-            <a:lvl3pPr marL="1143000" indent="-228600" algn="l" rtl="0" eaLnBrk="0" fontAlgn="base" hangingPunct="0">
-              <a:spcBef>
-                <a:spcPct val="20000"/>
-              </a:spcBef>
-              <a:spcAft>
-                <a:spcPct val="0"/>
-              </a:spcAft>
-              <a:buClr>
-                <a:schemeClr val="hlink"/>
-              </a:buClr>
-              <a:buSzPct val="65000"/>
-              <a:buFont typeface="Wingdings" pitchFamily="2" charset="2"/>
-              <a:buChar char="l"/>
-              <a:defRPr sz="2400">
-                <a:solidFill>
-                  <a:schemeClr val="tx1"/>
-                </a:solidFill>
-                <a:latin typeface="+mn-lt"/>
-              </a:defRPr>
-            </a:lvl3pPr>
-            <a:lvl4pPr marL="1600200" indent="-228600" algn="l" rtl="0" eaLnBrk="0" fontAlgn="base" hangingPunct="0">
-              <a:spcBef>
-                <a:spcPct val="20000"/>
-              </a:spcBef>
-              <a:spcAft>
-                <a:spcPct val="0"/>
-              </a:spcAft>
-              <a:buClr>
-                <a:schemeClr val="accent1"/>
-              </a:buClr>
-              <a:buSzPct val="60000"/>
-              <a:buFont typeface="Wingdings" pitchFamily="2" charset="2"/>
-              <a:buChar char="l"/>
-              <a:defRPr sz="2000">
-                <a:solidFill>
-                  <a:schemeClr val="tx1"/>
-                </a:solidFill>
-                <a:latin typeface="+mn-lt"/>
-              </a:defRPr>
-            </a:lvl4pPr>
-            <a:lvl5pPr marL="2057400" indent="-228600" algn="l" rtl="0" eaLnBrk="0" fontAlgn="base" hangingPunct="0">
-              <a:spcBef>
-                <a:spcPct val="20000"/>
-              </a:spcBef>
-              <a:spcAft>
-                <a:spcPct val="0"/>
-              </a:spcAft>
-              <a:buClr>
-                <a:schemeClr val="accent2"/>
-              </a:buClr>
-              <a:buSzPct val="60000"/>
-              <a:buFont typeface="Wingdings" pitchFamily="2" charset="2"/>
-              <a:buChar char="l"/>
-              <a:defRPr sz="2000">
-                <a:solidFill>
-                  <a:schemeClr val="tx1"/>
-                </a:solidFill>
-                <a:latin typeface="+mn-lt"/>
-              </a:defRPr>
-            </a:lvl5pPr>
-            <a:lvl6pPr marL="2514600" indent="-228600" algn="l" rtl="0" fontAlgn="base">
-              <a:spcBef>
-                <a:spcPct val="20000"/>
-              </a:spcBef>
-              <a:spcAft>
-                <a:spcPct val="0"/>
-              </a:spcAft>
-              <a:buClr>
-                <a:schemeClr val="accent2"/>
-              </a:buClr>
-              <a:buSzPct val="60000"/>
-              <a:buFont typeface="Wingdings" pitchFamily="2" charset="2"/>
-              <a:buChar char="l"/>
-              <a:defRPr sz="2000">
-                <a:solidFill>
-                  <a:schemeClr val="tx1"/>
-                </a:solidFill>
-                <a:latin typeface="+mn-lt"/>
-              </a:defRPr>
-            </a:lvl6pPr>
-            <a:lvl7pPr marL="2971800" indent="-228600" algn="l" rtl="0" fontAlgn="base">
-              <a:spcBef>
-                <a:spcPct val="20000"/>
-              </a:spcBef>
-              <a:spcAft>
-                <a:spcPct val="0"/>
-              </a:spcAft>
-              <a:buClr>
-                <a:schemeClr val="accent2"/>
-              </a:buClr>
-              <a:buSzPct val="60000"/>
-              <a:buFont typeface="Wingdings" pitchFamily="2" charset="2"/>
-              <a:buChar char="l"/>
-              <a:defRPr sz="2000">
-                <a:solidFill>
-                  <a:schemeClr val="tx1"/>
-                </a:solidFill>
-                <a:latin typeface="+mn-lt"/>
-              </a:defRPr>
-            </a:lvl7pPr>
-            <a:lvl8pPr marL="3429000" indent="-228600" algn="l" rtl="0" fontAlgn="base">
-              <a:spcBef>
-                <a:spcPct val="20000"/>
-              </a:spcBef>
-              <a:spcAft>
-                <a:spcPct val="0"/>
-              </a:spcAft>
-              <a:buClr>
-                <a:schemeClr val="accent2"/>
-              </a:buClr>
-              <a:buSzPct val="60000"/>
-              <a:buFont typeface="Wingdings" pitchFamily="2" charset="2"/>
-              <a:buChar char="l"/>
-              <a:defRPr sz="2000">
-                <a:solidFill>
-                  <a:schemeClr val="tx1"/>
-                </a:solidFill>
-                <a:latin typeface="+mn-lt"/>
-              </a:defRPr>
-            </a:lvl8pPr>
-            <a:lvl9pPr marL="3886200" indent="-228600" algn="l" rtl="0" fontAlgn="base">
-              <a:spcBef>
-                <a:spcPct val="20000"/>
-              </a:spcBef>
-              <a:spcAft>
-                <a:spcPct val="0"/>
-              </a:spcAft>
-              <a:buClr>
-                <a:schemeClr val="accent2"/>
-              </a:buClr>
-              <a:buSzPct val="60000"/>
-              <a:buFont typeface="Wingdings" pitchFamily="2" charset="2"/>
-              <a:buChar char="l"/>
-              <a:defRPr sz="2000">
-                <a:solidFill>
-                  <a:schemeClr val="tx1"/>
-                </a:solidFill>
-                <a:latin typeface="+mn-lt"/>
-              </a:defRPr>
-            </a:lvl9pPr>
-          </a:lstStyle>
-          <a:p>
-            <a:pPr algn="ctr" eaLnBrk="1" hangingPunct="1">
-              <a:buFontTx/>
-              <a:buNone/>
-            </a:pPr>
-            <a:endParaRPr lang="en-US" sz="1200" b="1" u="sng" kern="0" dirty="0">
-              <a:solidFill>
-                <a:srgbClr val="0000FF"/>
-              </a:solidFill>
-            </a:endParaRPr>
-          </a:p>
-          <a:p>
-            <a:pPr algn="ctr" eaLnBrk="1" hangingPunct="1">
-              <a:buFontTx/>
-              <a:buNone/>
-            </a:pPr>
-            <a:endParaRPr lang="en-US" sz="1400" b="1" kern="0" dirty="0">
-              <a:solidFill>
-                <a:srgbClr val="000000"/>
-              </a:solidFill>
-            </a:endParaRPr>
-          </a:p>
-          <a:p>
-            <a:pPr algn="ctr" eaLnBrk="1" hangingPunct="1">
-              <a:buFontTx/>
-              <a:buNone/>
-            </a:pPr>
-            <a:endParaRPr lang="en-US" sz="1400" b="1" kern="0" dirty="0">
-              <a:solidFill>
-                <a:srgbClr val="000000"/>
-              </a:solidFill>
-            </a:endParaRPr>
-          </a:p>
-          <a:p>
-            <a:pPr eaLnBrk="1" hangingPunct="1">
-              <a:buFontTx/>
-              <a:buNone/>
-            </a:pPr>
-            <a:endParaRPr lang="en-US" b="1" kern="0" dirty="0">
-              <a:solidFill>
-                <a:srgbClr val="000000"/>
-              </a:solidFill>
-            </a:endParaRPr>
-          </a:p>
-          <a:p>
-            <a:pPr eaLnBrk="1" hangingPunct="1">
-              <a:buFontTx/>
-              <a:buNone/>
-            </a:pPr>
-            <a:endParaRPr lang="en-US" sz="5400" kern="0" dirty="0">
-              <a:solidFill>
-                <a:srgbClr val="000000"/>
-              </a:solidFill>
-            </a:endParaRPr>
-          </a:p>
-          <a:p>
-            <a:pPr eaLnBrk="1" hangingPunct="1">
-              <a:buFontTx/>
-              <a:buNone/>
-            </a:pPr>
-            <a:endParaRPr lang="en-US" sz="5400" kern="0" dirty="0">
-              <a:solidFill>
-                <a:srgbClr val="000000"/>
-              </a:solidFill>
-            </a:endParaRPr>
-          </a:p>
-        </p:txBody>
-      </p:sp>
-      <p:sp>
-        <p:nvSpPr>
-          <p:cNvPr id="4" name="Rectangle 2"/>
-          <p:cNvSpPr txBox="1">
-            <a:spLocks noChangeArrowheads="1"/>
-          </p:cNvSpPr>
-          <p:nvPr/>
-        </p:nvSpPr>
-        <p:spPr bwMode="auto">
-          <a:xfrm>
-            <a:off x="0" y="2708342"/>
-            <a:ext cx="9144000" cy="4717915"/>
-          </a:xfrm>
-          <a:prstGeom prst="rect">
-            <a:avLst/>
-          </a:prstGeom>
-          <a:noFill/>
-          <a:ln>
-            <a:noFill/>
-          </a:ln>
-          <a:extLst>
-            <a:ext uri="{909E8E84-426E-40DD-AFC4-6F175D3DCCD1}">
-              <a14:hiddenFill xmlns:a14="http://schemas.microsoft.com/office/drawing/2010/main">
-                <a:solidFill>
-                  <a:srgbClr val="FFFFFF"/>
-                </a:solidFill>
-              </a14:hiddenFill>
-            </a:ext>
-            <a:ext uri="{91240B29-F687-4F45-9708-019B960494DF}">
-              <a14:hiddenLine xmlns:a14="http://schemas.microsoft.com/office/drawing/2010/main" w="9525">
-                <a:solidFill>
-                  <a:srgbClr val="000000"/>
-                </a:solidFill>
-                <a:miter lim="800000"/>
-                <a:headEnd/>
-                <a:tailEnd/>
-              </a14:hiddenLine>
-            </a:ext>
-          </a:extLst>
-        </p:spPr>
-        <p:txBody>
-          <a:bodyPr vert="horz" wrap="square" lIns="91440" tIns="45720" rIns="91440" bIns="45720" numCol="1" anchor="t" anchorCtr="0" compatLnSpc="1">
-            <a:prstTxWarp prst="textNoShape">
-              <a:avLst/>
-            </a:prstTxWarp>
-          </a:bodyPr>
-          <a:lstStyle>
-            <a:lvl1pPr marL="342900" indent="-342900" algn="l" rtl="0" eaLnBrk="0" fontAlgn="base" hangingPunct="0">
-              <a:spcBef>
-                <a:spcPct val="20000"/>
-              </a:spcBef>
-              <a:spcAft>
-                <a:spcPct val="0"/>
-              </a:spcAft>
-              <a:buSzPct val="85000"/>
-              <a:buBlip>
-                <a:blip r:embed="rId2"/>
-              </a:buBlip>
-              <a:defRPr sz="3200">
-                <a:solidFill>
-                  <a:schemeClr val="tx1"/>
-                </a:solidFill>
-                <a:latin typeface="+mn-lt"/>
-                <a:ea typeface="+mn-ea"/>
-                <a:cs typeface="+mn-cs"/>
-              </a:defRPr>
-            </a:lvl1pPr>
-            <a:lvl2pPr marL="742950" indent="-285750" algn="l" rtl="0" eaLnBrk="0" fontAlgn="base" hangingPunct="0">
-              <a:spcBef>
-                <a:spcPct val="20000"/>
-              </a:spcBef>
-              <a:spcAft>
-                <a:spcPct val="0"/>
-              </a:spcAft>
-              <a:buClr>
-                <a:schemeClr val="tx2"/>
-              </a:buClr>
-              <a:buSzPct val="70000"/>
-              <a:buFont typeface="Wingdings" pitchFamily="2" charset="2"/>
-              <a:buChar char="l"/>
-              <a:defRPr sz="2800">
-                <a:solidFill>
-                  <a:schemeClr val="tx1"/>
-                </a:solidFill>
-                <a:latin typeface="+mn-lt"/>
-              </a:defRPr>
-            </a:lvl2pPr>
-            <a:lvl3pPr marL="1143000" indent="-228600" algn="l" rtl="0" eaLnBrk="0" fontAlgn="base" hangingPunct="0">
-              <a:spcBef>
-                <a:spcPct val="20000"/>
-              </a:spcBef>
-              <a:spcAft>
-                <a:spcPct val="0"/>
-              </a:spcAft>
-              <a:buClr>
-                <a:schemeClr val="hlink"/>
-              </a:buClr>
-              <a:buSzPct val="65000"/>
-              <a:buFont typeface="Wingdings" pitchFamily="2" charset="2"/>
-              <a:buChar char="l"/>
-              <a:defRPr sz="2400">
-                <a:solidFill>
-                  <a:schemeClr val="tx1"/>
-                </a:solidFill>
-                <a:latin typeface="+mn-lt"/>
-              </a:defRPr>
-            </a:lvl3pPr>
-            <a:lvl4pPr marL="1600200" indent="-228600" algn="l" rtl="0" eaLnBrk="0" fontAlgn="base" hangingPunct="0">
-              <a:spcBef>
-                <a:spcPct val="20000"/>
-              </a:spcBef>
-              <a:spcAft>
-                <a:spcPct val="0"/>
-              </a:spcAft>
-              <a:buClr>
-                <a:schemeClr val="accent1"/>
-              </a:buClr>
-              <a:buSzPct val="60000"/>
-              <a:buFont typeface="Wingdings" pitchFamily="2" charset="2"/>
-              <a:buChar char="l"/>
-              <a:defRPr sz="2000">
-                <a:solidFill>
-                  <a:schemeClr val="tx1"/>
-                </a:solidFill>
-                <a:latin typeface="+mn-lt"/>
-              </a:defRPr>
-            </a:lvl4pPr>
-            <a:lvl5pPr marL="2057400" indent="-228600" algn="l" rtl="0" eaLnBrk="0" fontAlgn="base" hangingPunct="0">
-              <a:spcBef>
-                <a:spcPct val="20000"/>
-              </a:spcBef>
-              <a:spcAft>
-                <a:spcPct val="0"/>
-              </a:spcAft>
-              <a:buClr>
-                <a:schemeClr val="accent2"/>
-              </a:buClr>
-              <a:buSzPct val="60000"/>
-              <a:buFont typeface="Wingdings" pitchFamily="2" charset="2"/>
-              <a:buChar char="l"/>
-              <a:defRPr sz="2000">
-                <a:solidFill>
-                  <a:schemeClr val="tx1"/>
-                </a:solidFill>
-                <a:latin typeface="+mn-lt"/>
-              </a:defRPr>
-            </a:lvl5pPr>
-            <a:lvl6pPr marL="2514600" indent="-228600" algn="l" rtl="0" fontAlgn="base">
-              <a:spcBef>
-                <a:spcPct val="20000"/>
-              </a:spcBef>
-              <a:spcAft>
-                <a:spcPct val="0"/>
-              </a:spcAft>
-              <a:buClr>
-                <a:schemeClr val="accent2"/>
-              </a:buClr>
-              <a:buSzPct val="60000"/>
-              <a:buFont typeface="Wingdings" pitchFamily="2" charset="2"/>
-              <a:buChar char="l"/>
-              <a:defRPr sz="2000">
-                <a:solidFill>
-                  <a:schemeClr val="tx1"/>
-                </a:solidFill>
-                <a:latin typeface="+mn-lt"/>
-              </a:defRPr>
-            </a:lvl6pPr>
-            <a:lvl7pPr marL="2971800" indent="-228600" algn="l" rtl="0" fontAlgn="base">
-              <a:spcBef>
-                <a:spcPct val="20000"/>
-              </a:spcBef>
-              <a:spcAft>
-                <a:spcPct val="0"/>
-              </a:spcAft>
-              <a:buClr>
-                <a:schemeClr val="accent2"/>
-              </a:buClr>
-              <a:buSzPct val="60000"/>
-              <a:buFont typeface="Wingdings" pitchFamily="2" charset="2"/>
-              <a:buChar char="l"/>
-              <a:defRPr sz="2000">
-                <a:solidFill>
-                  <a:schemeClr val="tx1"/>
-                </a:solidFill>
-                <a:latin typeface="+mn-lt"/>
-              </a:defRPr>
-            </a:lvl7pPr>
-            <a:lvl8pPr marL="3429000" indent="-228600" algn="l" rtl="0" fontAlgn="base">
-              <a:spcBef>
-                <a:spcPct val="20000"/>
-              </a:spcBef>
-              <a:spcAft>
-                <a:spcPct val="0"/>
-              </a:spcAft>
-              <a:buClr>
-                <a:schemeClr val="accent2"/>
-              </a:buClr>
-              <a:buSzPct val="60000"/>
-              <a:buFont typeface="Wingdings" pitchFamily="2" charset="2"/>
-              <a:buChar char="l"/>
-              <a:defRPr sz="2000">
-                <a:solidFill>
-                  <a:schemeClr val="tx1"/>
-                </a:solidFill>
-                <a:latin typeface="+mn-lt"/>
-              </a:defRPr>
-            </a:lvl8pPr>
-            <a:lvl9pPr marL="3886200" indent="-228600" algn="l" rtl="0" fontAlgn="base">
-              <a:spcBef>
-                <a:spcPct val="20000"/>
-              </a:spcBef>
-              <a:spcAft>
-                <a:spcPct val="0"/>
-              </a:spcAft>
-              <a:buClr>
-                <a:schemeClr val="accent2"/>
-              </a:buClr>
-              <a:buSzPct val="60000"/>
-              <a:buFont typeface="Wingdings" pitchFamily="2" charset="2"/>
-              <a:buChar char="l"/>
-              <a:defRPr sz="2000">
-                <a:solidFill>
-                  <a:schemeClr val="tx1"/>
-                </a:solidFill>
-                <a:latin typeface="+mn-lt"/>
-              </a:defRPr>
-            </a:lvl9pPr>
-          </a:lstStyle>
-          <a:p>
-            <a:pPr marL="0" indent="0" eaLnBrk="1" hangingPunct="1">
-              <a:buFontTx/>
-              <a:buNone/>
-            </a:pPr>
-            <a:endParaRPr lang="en-US" b="1" u="sng" kern="0" dirty="0">
-              <a:solidFill>
-                <a:srgbClr val="0000FF"/>
-              </a:solidFill>
-            </a:endParaRPr>
-          </a:p>
-          <a:p>
-            <a:pPr eaLnBrk="1" hangingPunct="1">
-              <a:buFont typeface="Arial" panose="020B0604020202020204" pitchFamily="34" charset="0"/>
-              <a:buChar char="•"/>
-            </a:pPr>
-            <a:endParaRPr lang="en-US" b="1" u="sng" kern="0" dirty="0">
-              <a:solidFill>
-                <a:srgbClr val="0000FF"/>
-              </a:solidFill>
-            </a:endParaRPr>
-          </a:p>
-          <a:p>
-            <a:pPr algn="ctr" eaLnBrk="1" hangingPunct="1">
-              <a:buFontTx/>
-              <a:buNone/>
-            </a:pPr>
-            <a:endParaRPr lang="en-US" sz="1400" b="1" kern="0" dirty="0">
-              <a:solidFill>
-                <a:srgbClr val="000000"/>
-              </a:solidFill>
-            </a:endParaRPr>
-          </a:p>
-          <a:p>
-            <a:pPr algn="ctr" eaLnBrk="1" hangingPunct="1">
-              <a:buFontTx/>
-              <a:buNone/>
-            </a:pPr>
-            <a:endParaRPr lang="en-US" sz="1400" b="1" kern="0" dirty="0">
-              <a:solidFill>
-                <a:srgbClr val="000000"/>
-              </a:solidFill>
-            </a:endParaRPr>
-          </a:p>
-          <a:p>
-            <a:pPr eaLnBrk="1" hangingPunct="1">
-              <a:buFontTx/>
-              <a:buNone/>
-            </a:pPr>
-            <a:endParaRPr lang="en-US" b="1" kern="0" dirty="0">
-              <a:solidFill>
-                <a:srgbClr val="000000"/>
-              </a:solidFill>
-            </a:endParaRPr>
-          </a:p>
-          <a:p>
-            <a:pPr eaLnBrk="1" hangingPunct="1">
-              <a:buFontTx/>
-              <a:buNone/>
-            </a:pPr>
-            <a:endParaRPr lang="en-US" sz="5400" kern="0" dirty="0">
-              <a:solidFill>
-                <a:srgbClr val="000000"/>
-              </a:solidFill>
-            </a:endParaRPr>
-          </a:p>
-          <a:p>
-            <a:pPr eaLnBrk="1" hangingPunct="1">
-              <a:buFontTx/>
-              <a:buNone/>
-            </a:pPr>
-            <a:endParaRPr lang="en-US" sz="5400" kern="0" dirty="0">
-              <a:solidFill>
-                <a:srgbClr val="000000"/>
-              </a:solidFill>
-            </a:endParaRPr>
-          </a:p>
-        </p:txBody>
-      </p:sp>
-      <p:sp>
-        <p:nvSpPr>
-          <p:cNvPr id="5" name="Rectangle 2"/>
-          <p:cNvSpPr txBox="1">
-            <a:spLocks noChangeArrowheads="1"/>
-          </p:cNvSpPr>
-          <p:nvPr/>
-        </p:nvSpPr>
-        <p:spPr bwMode="auto">
-          <a:xfrm>
-            <a:off x="-38100" y="2514600"/>
-            <a:ext cx="8991600" cy="4648200"/>
-          </a:xfrm>
-          <a:prstGeom prst="rect">
-            <a:avLst/>
-          </a:prstGeom>
-          <a:noFill/>
-          <a:ln>
-            <a:noFill/>
-          </a:ln>
-          <a:extLst>
-            <a:ext uri="{909E8E84-426E-40DD-AFC4-6F175D3DCCD1}">
-              <a14:hiddenFill xmlns:a14="http://schemas.microsoft.com/office/drawing/2010/main">
-                <a:solidFill>
-                  <a:srgbClr val="FFFFFF"/>
-                </a:solidFill>
-              </a14:hiddenFill>
-            </a:ext>
-            <a:ext uri="{91240B29-F687-4F45-9708-019B960494DF}">
-              <a14:hiddenLine xmlns:a14="http://schemas.microsoft.com/office/drawing/2010/main" w="9525">
-                <a:solidFill>
-                  <a:srgbClr val="000000"/>
-                </a:solidFill>
-                <a:miter lim="800000"/>
-                <a:headEnd/>
-                <a:tailEnd/>
-              </a14:hiddenLine>
-            </a:ext>
-          </a:extLst>
-        </p:spPr>
-        <p:txBody>
-          <a:bodyPr vert="horz" wrap="square" lIns="91440" tIns="45720" rIns="91440" bIns="45720" numCol="1" anchor="t" anchorCtr="0" compatLnSpc="1">
-            <a:prstTxWarp prst="textNoShape">
-              <a:avLst/>
-            </a:prstTxWarp>
-          </a:bodyPr>
-          <a:lstStyle>
-            <a:lvl1pPr marL="342900" indent="-342900" algn="l" rtl="0" eaLnBrk="0" fontAlgn="base" hangingPunct="0">
-              <a:spcBef>
-                <a:spcPct val="20000"/>
-              </a:spcBef>
-              <a:spcAft>
-                <a:spcPct val="0"/>
-              </a:spcAft>
-              <a:buSzPct val="85000"/>
-              <a:buBlip>
-                <a:blip r:embed="rId2"/>
-              </a:buBlip>
-              <a:defRPr sz="3200">
-                <a:solidFill>
-                  <a:schemeClr val="tx1"/>
-                </a:solidFill>
-                <a:latin typeface="+mn-lt"/>
-                <a:ea typeface="+mn-ea"/>
-                <a:cs typeface="+mn-cs"/>
-              </a:defRPr>
-            </a:lvl1pPr>
-            <a:lvl2pPr marL="742950" indent="-285750" algn="l" rtl="0" eaLnBrk="0" fontAlgn="base" hangingPunct="0">
-              <a:spcBef>
-                <a:spcPct val="20000"/>
-              </a:spcBef>
-              <a:spcAft>
-                <a:spcPct val="0"/>
-              </a:spcAft>
-              <a:buClr>
-                <a:schemeClr val="tx2"/>
-              </a:buClr>
-              <a:buSzPct val="70000"/>
-              <a:buFont typeface="Wingdings" pitchFamily="2" charset="2"/>
-              <a:buChar char="l"/>
-              <a:defRPr sz="2800">
-                <a:solidFill>
-                  <a:schemeClr val="tx1"/>
-                </a:solidFill>
-                <a:latin typeface="+mn-lt"/>
-              </a:defRPr>
-            </a:lvl2pPr>
-            <a:lvl3pPr marL="1143000" indent="-228600" algn="l" rtl="0" eaLnBrk="0" fontAlgn="base" hangingPunct="0">
-              <a:spcBef>
-                <a:spcPct val="20000"/>
-              </a:spcBef>
-              <a:spcAft>
-                <a:spcPct val="0"/>
-              </a:spcAft>
-              <a:buClr>
-                <a:schemeClr val="hlink"/>
-              </a:buClr>
-              <a:buSzPct val="65000"/>
-              <a:buFont typeface="Wingdings" pitchFamily="2" charset="2"/>
-              <a:buChar char="l"/>
-              <a:defRPr sz="2400">
-                <a:solidFill>
-                  <a:schemeClr val="tx1"/>
-                </a:solidFill>
-                <a:latin typeface="+mn-lt"/>
-              </a:defRPr>
-            </a:lvl3pPr>
-            <a:lvl4pPr marL="1600200" indent="-228600" algn="l" rtl="0" eaLnBrk="0" fontAlgn="base" hangingPunct="0">
-              <a:spcBef>
-                <a:spcPct val="20000"/>
-              </a:spcBef>
-              <a:spcAft>
-                <a:spcPct val="0"/>
-              </a:spcAft>
-              <a:buClr>
-                <a:schemeClr val="accent1"/>
-              </a:buClr>
-              <a:buSzPct val="60000"/>
-              <a:buFont typeface="Wingdings" pitchFamily="2" charset="2"/>
-              <a:buChar char="l"/>
-              <a:defRPr sz="2000">
-                <a:solidFill>
-                  <a:schemeClr val="tx1"/>
-                </a:solidFill>
-                <a:latin typeface="+mn-lt"/>
-              </a:defRPr>
-            </a:lvl4pPr>
-            <a:lvl5pPr marL="2057400" indent="-228600" algn="l" rtl="0" eaLnBrk="0" fontAlgn="base" hangingPunct="0">
-              <a:spcBef>
-                <a:spcPct val="20000"/>
-              </a:spcBef>
-              <a:spcAft>
-                <a:spcPct val="0"/>
-              </a:spcAft>
-              <a:buClr>
-                <a:schemeClr val="accent2"/>
-              </a:buClr>
-              <a:buSzPct val="60000"/>
-              <a:buFont typeface="Wingdings" pitchFamily="2" charset="2"/>
-              <a:buChar char="l"/>
-              <a:defRPr sz="2000">
-                <a:solidFill>
-                  <a:schemeClr val="tx1"/>
-                </a:solidFill>
-                <a:latin typeface="+mn-lt"/>
-              </a:defRPr>
-            </a:lvl5pPr>
-            <a:lvl6pPr marL="2514600" indent="-228600" algn="l" rtl="0" fontAlgn="base">
-              <a:spcBef>
-                <a:spcPct val="20000"/>
-              </a:spcBef>
-              <a:spcAft>
-                <a:spcPct val="0"/>
-              </a:spcAft>
-              <a:buClr>
-                <a:schemeClr val="accent2"/>
-              </a:buClr>
-              <a:buSzPct val="60000"/>
-              <a:buFont typeface="Wingdings" pitchFamily="2" charset="2"/>
-              <a:buChar char="l"/>
-              <a:defRPr sz="2000">
-                <a:solidFill>
-                  <a:schemeClr val="tx1"/>
-                </a:solidFill>
-                <a:latin typeface="+mn-lt"/>
-              </a:defRPr>
-            </a:lvl6pPr>
-            <a:lvl7pPr marL="2971800" indent="-228600" algn="l" rtl="0" fontAlgn="base">
-              <a:spcBef>
-                <a:spcPct val="20000"/>
-              </a:spcBef>
-              <a:spcAft>
-                <a:spcPct val="0"/>
-              </a:spcAft>
-              <a:buClr>
-                <a:schemeClr val="accent2"/>
-              </a:buClr>
-              <a:buSzPct val="60000"/>
-              <a:buFont typeface="Wingdings" pitchFamily="2" charset="2"/>
-              <a:buChar char="l"/>
-              <a:defRPr sz="2000">
-                <a:solidFill>
-                  <a:schemeClr val="tx1"/>
-                </a:solidFill>
-                <a:latin typeface="+mn-lt"/>
-              </a:defRPr>
-            </a:lvl7pPr>
-            <a:lvl8pPr marL="3429000" indent="-228600" algn="l" rtl="0" fontAlgn="base">
-              <a:spcBef>
-                <a:spcPct val="20000"/>
-              </a:spcBef>
-              <a:spcAft>
-                <a:spcPct val="0"/>
-              </a:spcAft>
-              <a:buClr>
-                <a:schemeClr val="accent2"/>
-              </a:buClr>
-              <a:buSzPct val="60000"/>
-              <a:buFont typeface="Wingdings" pitchFamily="2" charset="2"/>
-              <a:buChar char="l"/>
-              <a:defRPr sz="2000">
-                <a:solidFill>
-                  <a:schemeClr val="tx1"/>
-                </a:solidFill>
-                <a:latin typeface="+mn-lt"/>
-              </a:defRPr>
-            </a:lvl8pPr>
-            <a:lvl9pPr marL="3886200" indent="-228600" algn="l" rtl="0" fontAlgn="base">
-              <a:spcBef>
-                <a:spcPct val="20000"/>
-              </a:spcBef>
-              <a:spcAft>
-                <a:spcPct val="0"/>
-              </a:spcAft>
-              <a:buClr>
-                <a:schemeClr val="accent2"/>
-              </a:buClr>
-              <a:buSzPct val="60000"/>
-              <a:buFont typeface="Wingdings" pitchFamily="2" charset="2"/>
-              <a:buChar char="l"/>
-              <a:defRPr sz="2000">
-                <a:solidFill>
-                  <a:schemeClr val="tx1"/>
-                </a:solidFill>
-                <a:latin typeface="+mn-lt"/>
-              </a:defRPr>
-            </a:lvl9pPr>
-          </a:lstStyle>
-          <a:p>
-            <a:pPr algn="ctr" eaLnBrk="1" hangingPunct="1">
-              <a:buFontTx/>
-              <a:buNone/>
-            </a:pPr>
-            <a:endParaRPr lang="en-US" sz="1200" b="1" u="sng" kern="0" dirty="0">
-              <a:solidFill>
-                <a:srgbClr val="0000FF"/>
-              </a:solidFill>
-            </a:endParaRPr>
-          </a:p>
-          <a:p>
-            <a:pPr algn="ctr" eaLnBrk="1" hangingPunct="1">
-              <a:buFontTx/>
-              <a:buNone/>
-            </a:pPr>
-            <a:r>
-              <a:rPr lang="en-US" sz="3600" b="1" u="sng" dirty="0">
-                <a:solidFill>
-                  <a:srgbClr val="0000FF"/>
-                </a:solidFill>
-              </a:rPr>
-              <a:t>Homework Questions?</a:t>
-            </a:r>
-          </a:p>
-          <a:p>
-            <a:pPr algn="ctr" eaLnBrk="1" hangingPunct="1">
-              <a:buFontTx/>
-              <a:buNone/>
-            </a:pPr>
-            <a:r>
-              <a:rPr lang="en-US" sz="3600" b="1" dirty="0">
-                <a:solidFill>
-                  <a:srgbClr val="0000FF"/>
-                </a:solidFill>
-              </a:rPr>
-              <a:t>Use the Open Lab!</a:t>
-            </a:r>
-          </a:p>
-          <a:p>
-            <a:pPr algn="ctr" eaLnBrk="1" hangingPunct="1">
-              <a:buNone/>
-            </a:pPr>
-            <a:r>
-              <a:rPr lang="en-US" sz="3600" b="1" dirty="0">
-                <a:solidFill>
-                  <a:srgbClr val="FF0000"/>
-                </a:solidFill>
-              </a:rPr>
-              <a:t>Please remember to swipe in!</a:t>
-            </a:r>
-          </a:p>
-          <a:p>
-            <a:pPr algn="ctr" eaLnBrk="1" hangingPunct="1">
-              <a:buFontTx/>
-              <a:buNone/>
-            </a:pPr>
-            <a:endParaRPr lang="en-US" sz="3600" b="1" dirty="0"/>
-          </a:p>
-          <a:p>
-            <a:pPr algn="ctr" eaLnBrk="1" hangingPunct="1">
-              <a:buFontTx/>
-              <a:buNone/>
-            </a:pPr>
-            <a:endParaRPr lang="en-US" sz="1400" b="1" kern="0" dirty="0">
-              <a:solidFill>
-                <a:srgbClr val="000000"/>
-              </a:solidFill>
-            </a:endParaRPr>
-          </a:p>
-          <a:p>
-            <a:pPr algn="ctr" eaLnBrk="1" hangingPunct="1">
-              <a:buFontTx/>
-              <a:buNone/>
-            </a:pPr>
-            <a:endParaRPr lang="en-US" sz="1400" b="1" kern="0" dirty="0">
-              <a:solidFill>
-                <a:srgbClr val="000000"/>
-              </a:solidFill>
-            </a:endParaRPr>
-          </a:p>
-          <a:p>
-            <a:pPr eaLnBrk="1" hangingPunct="1">
-              <a:buFontTx/>
-              <a:buNone/>
-            </a:pPr>
-            <a:endParaRPr lang="en-US" b="1" kern="0" dirty="0">
-              <a:solidFill>
-                <a:srgbClr val="000000"/>
-              </a:solidFill>
-            </a:endParaRPr>
-          </a:p>
-          <a:p>
-            <a:pPr eaLnBrk="1" hangingPunct="1">
-              <a:buFontTx/>
-              <a:buNone/>
-            </a:pPr>
-            <a:endParaRPr lang="en-US" sz="5400" kern="0" dirty="0">
-              <a:solidFill>
-                <a:srgbClr val="000000"/>
-              </a:solidFill>
-            </a:endParaRPr>
-          </a:p>
-          <a:p>
-            <a:pPr eaLnBrk="1" hangingPunct="1">
-              <a:buFontTx/>
-              <a:buNone/>
-            </a:pPr>
-            <a:endParaRPr lang="en-US" sz="5400" kern="0" dirty="0">
-              <a:solidFill>
-                <a:srgbClr val="000000"/>
-              </a:solidFill>
-            </a:endParaRPr>
-          </a:p>
-        </p:txBody>
-      </p:sp>
-    </p:spTree>
-    <p:extLst>
-      <p:ext uri="{BB962C8B-B14F-4D97-AF65-F5344CB8AC3E}">
-        <p14:creationId xmlns:p14="http://schemas.microsoft.com/office/powerpoint/2010/main" val="2411685965"/>
-      </p:ext>
-    </p:extLst>
-  </p:cSld>
-  <p:clrMapOvr>
-    <a:masterClrMapping/>
-  </p:clrMapOvr>
-</p:sld>
-</file>
-
-<file path=ppt/slides/slide12.xml><?xml version="1.0" encoding="utf-8"?>
-<p:sld xmlns:a="http://schemas.openxmlformats.org/drawingml/2006/main" xmlns:r="http://schemas.openxmlformats.org/officeDocument/2006/relationships" xmlns:p="http://schemas.openxmlformats.org/presentationml/2006/main">
-  <p:cSld>
-    <p:spTree>
-      <p:nvGrpSpPr>
-        <p:cNvPr id="1" name=""/>
-        <p:cNvGrpSpPr/>
-        <p:nvPr/>
-      </p:nvGrpSpPr>
-      <p:grpSpPr>
-        <a:xfrm>
-          <a:off x="0" y="0"/>
-          <a:ext cx="0" cy="0"/>
-          <a:chOff x="0" y="0"/>
-          <a:chExt cx="0" cy="0"/>
-        </a:xfrm>
-      </p:grpSpPr>
-      <p:sp>
-        <p:nvSpPr>
-          <p:cNvPr id="24578" name="Text Box 2"/>
-          <p:cNvSpPr txBox="1">
-            <a:spLocks noChangeArrowheads="1"/>
-          </p:cNvSpPr>
-          <p:nvPr/>
-        </p:nvSpPr>
-        <p:spPr bwMode="auto">
-          <a:xfrm>
-            <a:off x="598945" y="16158"/>
-            <a:ext cx="8077200" cy="3600986"/>
-          </a:xfrm>
-          <a:prstGeom prst="rect">
-            <a:avLst/>
-          </a:prstGeom>
-          <a:noFill/>
-          <a:ln>
-            <a:noFill/>
-          </a:ln>
-          <a:extLst>
-            <a:ext uri="{909E8E84-426E-40DD-AFC4-6F175D3DCCD1}">
-              <a14:hiddenFill xmlns:a14="http://schemas.microsoft.com/office/drawing/2010/main">
-                <a:solidFill>
-                  <a:srgbClr val="FFFFFF"/>
-                </a:solidFill>
-              </a14:hiddenFill>
-            </a:ext>
-            <a:ext uri="{91240B29-F687-4F45-9708-019B960494DF}">
-              <a14:hiddenLine xmlns:a14="http://schemas.microsoft.com/office/drawing/2010/main" w="9525">
-                <a:solidFill>
-                  <a:srgbClr val="000000"/>
-                </a:solidFill>
-                <a:miter lim="800000"/>
-                <a:headEnd/>
-                <a:tailEnd/>
-              </a14:hiddenLine>
-            </a:ext>
-          </a:extLst>
-        </p:spPr>
-        <p:txBody>
-          <a:bodyPr>
-            <a:spAutoFit/>
-          </a:bodyPr>
-          <a:lstStyle>
-            <a:lvl1pPr eaLnBrk="0" hangingPunct="0">
-              <a:defRPr sz="3200" b="1">
-                <a:solidFill>
-                  <a:schemeClr val="accent2"/>
-                </a:solidFill>
-                <a:latin typeface="Times New Roman" pitchFamily="18" charset="0"/>
-              </a:defRPr>
-            </a:lvl1pPr>
-            <a:lvl2pPr marL="742950" indent="-285750" eaLnBrk="0" hangingPunct="0">
-              <a:defRPr sz="3200" b="1">
-                <a:solidFill>
-                  <a:schemeClr val="accent2"/>
-                </a:solidFill>
-                <a:latin typeface="Times New Roman" pitchFamily="18" charset="0"/>
-              </a:defRPr>
-            </a:lvl2pPr>
-            <a:lvl3pPr marL="1143000" indent="-228600" eaLnBrk="0" hangingPunct="0">
-              <a:defRPr sz="3200" b="1">
-                <a:solidFill>
-                  <a:schemeClr val="accent2"/>
-                </a:solidFill>
-                <a:latin typeface="Times New Roman" pitchFamily="18" charset="0"/>
-              </a:defRPr>
-            </a:lvl3pPr>
-            <a:lvl4pPr marL="1600200" indent="-228600" eaLnBrk="0" hangingPunct="0">
-              <a:defRPr sz="3200" b="1">
-                <a:solidFill>
-                  <a:schemeClr val="accent2"/>
-                </a:solidFill>
-                <a:latin typeface="Times New Roman" pitchFamily="18" charset="0"/>
-              </a:defRPr>
-            </a:lvl4pPr>
-            <a:lvl5pPr marL="2057400" indent="-228600" eaLnBrk="0" hangingPunct="0">
-              <a:defRPr sz="3200" b="1">
-                <a:solidFill>
-                  <a:schemeClr val="accent2"/>
-                </a:solidFill>
-                <a:latin typeface="Times New Roman" pitchFamily="18" charset="0"/>
-              </a:defRPr>
-            </a:lvl5pPr>
-            <a:lvl6pPr marL="2514600" indent="-228600" eaLnBrk="0" fontAlgn="base" hangingPunct="0">
-              <a:spcBef>
-                <a:spcPct val="0"/>
-              </a:spcBef>
-              <a:spcAft>
-                <a:spcPct val="0"/>
-              </a:spcAft>
-              <a:defRPr sz="3200" b="1">
-                <a:solidFill>
-                  <a:schemeClr val="accent2"/>
-                </a:solidFill>
-                <a:latin typeface="Times New Roman" pitchFamily="18" charset="0"/>
-              </a:defRPr>
-            </a:lvl6pPr>
-            <a:lvl7pPr marL="2971800" indent="-228600" eaLnBrk="0" fontAlgn="base" hangingPunct="0">
-              <a:spcBef>
-                <a:spcPct val="0"/>
-              </a:spcBef>
-              <a:spcAft>
-                <a:spcPct val="0"/>
-              </a:spcAft>
-              <a:defRPr sz="3200" b="1">
-                <a:solidFill>
-                  <a:schemeClr val="accent2"/>
-                </a:solidFill>
-                <a:latin typeface="Times New Roman" pitchFamily="18" charset="0"/>
-              </a:defRPr>
-            </a:lvl7pPr>
-            <a:lvl8pPr marL="3429000" indent="-228600" eaLnBrk="0" fontAlgn="base" hangingPunct="0">
-              <a:spcBef>
-                <a:spcPct val="0"/>
-              </a:spcBef>
-              <a:spcAft>
-                <a:spcPct val="0"/>
-              </a:spcAft>
-              <a:defRPr sz="3200" b="1">
-                <a:solidFill>
-                  <a:schemeClr val="accent2"/>
-                </a:solidFill>
-                <a:latin typeface="Times New Roman" pitchFamily="18" charset="0"/>
-              </a:defRPr>
-            </a:lvl8pPr>
-            <a:lvl9pPr marL="3886200" indent="-228600" eaLnBrk="0" fontAlgn="base" hangingPunct="0">
-              <a:spcBef>
-                <a:spcPct val="0"/>
-              </a:spcBef>
-              <a:spcAft>
-                <a:spcPct val="0"/>
-              </a:spcAft>
-              <a:defRPr sz="3200" b="1">
-                <a:solidFill>
-                  <a:schemeClr val="accent2"/>
-                </a:solidFill>
-                <a:latin typeface="Times New Roman" pitchFamily="18" charset="0"/>
-              </a:defRPr>
-            </a:lvl9pPr>
-          </a:lstStyle>
-          <a:p>
-            <a:pPr algn="ctr" eaLnBrk="1" fontAlgn="base" hangingPunct="1">
-              <a:spcBef>
-                <a:spcPct val="0"/>
-              </a:spcBef>
-              <a:spcAft>
-                <a:spcPct val="0"/>
-              </a:spcAft>
-            </a:pPr>
-            <a:r>
-              <a:rPr lang="en-US" sz="5400" dirty="0">
-                <a:solidFill>
-                  <a:prstClr val="black"/>
-                </a:solidFill>
-                <a:cs typeface="Arial" charset="0"/>
-              </a:rPr>
-              <a:t>You may now </a:t>
-            </a:r>
-            <a:r>
-              <a:rPr lang="en-US" sz="5400" u="sng" dirty="0">
-                <a:solidFill>
-                  <a:srgbClr val="FF0000"/>
-                </a:solidFill>
-                <a:cs typeface="Arial" charset="0"/>
-              </a:rPr>
-              <a:t>OPEN</a:t>
-            </a:r>
-            <a:r>
-              <a:rPr lang="en-US" sz="5400" dirty="0">
-                <a:solidFill>
-                  <a:srgbClr val="FF0000"/>
-                </a:solidFill>
-                <a:cs typeface="Arial" charset="0"/>
-              </a:rPr>
-              <a:t> </a:t>
-            </a:r>
-          </a:p>
-          <a:p>
-            <a:pPr algn="ctr" eaLnBrk="1" fontAlgn="base" hangingPunct="1">
-              <a:spcBef>
-                <a:spcPct val="0"/>
-              </a:spcBef>
-              <a:spcAft>
-                <a:spcPct val="0"/>
-              </a:spcAft>
-            </a:pPr>
-            <a:r>
-              <a:rPr lang="en-US" sz="5400" dirty="0">
-                <a:solidFill>
-                  <a:prstClr val="black"/>
-                </a:solidFill>
-                <a:cs typeface="Arial" charset="0"/>
-              </a:rPr>
-              <a:t>your LAPTOPS</a:t>
-            </a:r>
-          </a:p>
-          <a:p>
-            <a:pPr algn="ctr" eaLnBrk="1" fontAlgn="base" hangingPunct="1">
-              <a:spcBef>
-                <a:spcPct val="0"/>
-              </a:spcBef>
-              <a:spcAft>
-                <a:spcPct val="0"/>
-              </a:spcAft>
-            </a:pPr>
-            <a:r>
-              <a:rPr lang="en-US" sz="4800" dirty="0">
-                <a:solidFill>
-                  <a:prstClr val="black"/>
-                </a:solidFill>
-                <a:cs typeface="Arial" charset="0"/>
-              </a:rPr>
-              <a:t>and begin working on the homework assignment.</a:t>
-            </a:r>
-          </a:p>
-          <a:p>
-            <a:pPr algn="ctr" eaLnBrk="1" fontAlgn="base" hangingPunct="1">
-              <a:spcBef>
-                <a:spcPct val="0"/>
-              </a:spcBef>
-              <a:spcAft>
-                <a:spcPct val="0"/>
-              </a:spcAft>
-            </a:pPr>
-            <a:endParaRPr lang="en-US" sz="2400" dirty="0">
-              <a:solidFill>
-                <a:prstClr val="black"/>
-              </a:solidFill>
-              <a:cs typeface="Arial" charset="0"/>
-            </a:endParaRPr>
-          </a:p>
-        </p:txBody>
-      </p:sp>
-      <p:sp>
-        <p:nvSpPr>
-          <p:cNvPr id="4" name="Rectangle 3"/>
-          <p:cNvSpPr/>
-          <p:nvPr/>
-        </p:nvSpPr>
-        <p:spPr>
-          <a:xfrm>
-            <a:off x="398201" y="3521837"/>
-            <a:ext cx="8478688" cy="3046988"/>
-          </a:xfrm>
-          <a:prstGeom prst="rect">
-            <a:avLst/>
-          </a:prstGeom>
-        </p:spPr>
-        <p:txBody>
-          <a:bodyPr wrap="square">
-            <a:spAutoFit/>
-          </a:bodyPr>
-          <a:lstStyle/>
-          <a:p>
-            <a:pPr fontAlgn="base">
-              <a:spcBef>
-                <a:spcPct val="0"/>
-              </a:spcBef>
-              <a:spcAft>
-                <a:spcPct val="0"/>
-              </a:spcAft>
-            </a:pPr>
-            <a:r>
-              <a:rPr lang="en-US" sz="3200" b="1" dirty="0">
-                <a:solidFill>
-                  <a:prstClr val="black"/>
-                </a:solidFill>
-                <a:cs typeface="Arial" charset="0"/>
-              </a:rPr>
-              <a:t>We expect all students to stay in the classroom to work on your homework till the end of the 55-minute class period. </a:t>
-            </a:r>
-            <a:r>
-              <a:rPr lang="en-US" sz="3200" b="1" dirty="0">
-                <a:solidFill>
-                  <a:srgbClr val="FF0000"/>
-                </a:solidFill>
-                <a:cs typeface="Arial" charset="0"/>
-              </a:rPr>
-              <a:t>If you have already finished the homework assignment for today’s section, you should work ahead on the next one or work on the next practice test. </a:t>
-            </a:r>
-            <a:endParaRPr lang="en-US" sz="3200" dirty="0">
-              <a:solidFill>
-                <a:prstClr val="black"/>
-              </a:solidFill>
-              <a:latin typeface="Arial" charset="0"/>
-              <a:cs typeface="Arial" charset="0"/>
-            </a:endParaRPr>
-          </a:p>
-        </p:txBody>
-      </p:sp>
-    </p:spTree>
-    <p:extLst>
-      <p:ext uri="{BB962C8B-B14F-4D97-AF65-F5344CB8AC3E}">
-        <p14:creationId xmlns:p14="http://schemas.microsoft.com/office/powerpoint/2010/main" val="2313341475"/>
-      </p:ext>
-    </p:extLst>
-  </p:cSld>
-  <p:clrMapOvr>
-    <a:masterClrMapping/>
-  </p:clrMapOvr>
-  <p:transition/>
-</p:sld>
-</file>
-
 <file path=ppt/slides/slide2.xml><?xml version="1.0" encoding="utf-8"?>
 <p:sld xmlns:a="http://schemas.openxmlformats.org/drawingml/2006/main" xmlns:r="http://schemas.openxmlformats.org/officeDocument/2006/relationships" xmlns:p="http://schemas.openxmlformats.org/presentationml/2006/main">
   <p:cSld>
@@ -13476,7 +12108,7 @@
           <a:graphicData uri="http://schemas.openxmlformats.org/presentationml/2006/ole">
             <mc:AlternateContent xmlns:mc="http://schemas.openxmlformats.org/markup-compatibility/2006">
               <mc:Choice xmlns:v="urn:schemas-microsoft-com:vml" Requires="v">
-                <p:oleObj spid="_x0000_s9320" name="Equation" r:id="rId3" imgW="435285" imgH="677109" progId="Equation.DSMT4">
+                <p:oleObj spid="_x0000_s1026" name="Equation" r:id="rId3" imgW="435285" imgH="677109" progId="Equation.DSMT4">
                   <p:embed/>
                 </p:oleObj>
               </mc:Choice>
@@ -13485,7 +12117,7 @@
                   <p:embed/>
                   <p:pic>
                     <p:nvPicPr>
-                      <p:cNvPr id="0" name=""/>
+                      <p:cNvPr id="4099" name="Object 2"/>
                       <p:cNvPicPr>
                         <a:picLocks noChangeAspect="1" noChangeArrowheads="1"/>
                       </p:cNvPicPr>
@@ -13561,7 +12193,7 @@
           <a:graphicData uri="http://schemas.openxmlformats.org/presentationml/2006/ole">
             <mc:AlternateContent xmlns:mc="http://schemas.openxmlformats.org/markup-compatibility/2006">
               <mc:Choice xmlns:v="urn:schemas-microsoft-com:vml" Requires="v">
-                <p:oleObj spid="_x0000_s9321" name="Equation" r:id="rId5" imgW="1714500" imgH="228600" progId="Equation.DSMT4">
+                <p:oleObj spid="_x0000_s1027" name="Equation" r:id="rId5" imgW="1714500" imgH="228600" progId="Equation.DSMT4">
                   <p:embed/>
                 </p:oleObj>
               </mc:Choice>
@@ -13570,7 +12202,7 @@
                   <p:embed/>
                   <p:pic>
                     <p:nvPicPr>
-                      <p:cNvPr id="0" name=""/>
+                      <p:cNvPr id="4100" name="Object 4"/>
                       <p:cNvPicPr>
                         <a:picLocks noGrp="1" noChangeAspect="1" noChangeArrowheads="1"/>
                       </p:cNvPicPr>
@@ -13970,7 +12602,7 @@
           <a:graphicData uri="http://schemas.openxmlformats.org/presentationml/2006/ole">
             <mc:AlternateContent xmlns:mc="http://schemas.openxmlformats.org/markup-compatibility/2006">
               <mc:Choice xmlns:v="urn:schemas-microsoft-com:vml" Requires="v">
-                <p:oleObj spid="_x0000_s9322" name="Equation" r:id="rId7" imgW="1180588" imgH="203112" progId="Equation.DSMT4">
+                <p:oleObj spid="_x0000_s1028" name="Equation" r:id="rId7" imgW="1180588" imgH="203112" progId="Equation.DSMT4">
                   <p:embed/>
                 </p:oleObj>
               </mc:Choice>
@@ -13979,7 +12611,7 @@
                   <p:embed/>
                   <p:pic>
                     <p:nvPicPr>
-                      <p:cNvPr id="0" name=""/>
+                      <p:cNvPr id="9" name="Object 5"/>
                       <p:cNvPicPr>
                         <a:picLocks noChangeAspect="1" noChangeArrowheads="1"/>
                       </p:cNvPicPr>
